--- a/ppt 16-9/0330.受洗归入基督.pptx
+++ b/ppt 16-9/0330.受洗归入基督.pptx
@@ -5,7 +5,7 @@
     <p:sldMasterId id="2147483648" r:id="rId1"/>
   </p:sldMasterIdLst>
   <p:sldIdLst>
-    <p:sldId id="3224" r:id="rId2"/>
+    <p:sldId id="3225" r:id="rId2"/>
   </p:sldIdLst>
   <p:sldSz cx="12192000" cy="6858000"/>
   <p:notesSz cx="6858000" cy="9144000"/>
@@ -129,7 +129,7 @@
           <p:cNvPr id="2" name="标题 1">
             <a:extLst>
               <a:ext uri="{FF2B5EF4-FFF2-40B4-BE49-F238E27FC236}">
-                <a16:creationId xmlns:a16="http://schemas.microsoft.com/office/drawing/2014/main" id="{5D61929A-7A60-FD5D-A872-951995F1AF3B}"/>
+                <a16:creationId xmlns:a16="http://schemas.microsoft.com/office/drawing/2014/main" id="{0AF0EB99-91E6-8B91-32F0-D5A128AF2404}"/>
               </a:ext>
             </a:extLst>
           </p:cNvPr>
@@ -166,7 +166,7 @@
           <p:cNvPr id="3" name="副标题 2">
             <a:extLst>
               <a:ext uri="{FF2B5EF4-FFF2-40B4-BE49-F238E27FC236}">
-                <a16:creationId xmlns:a16="http://schemas.microsoft.com/office/drawing/2014/main" id="{E96E01BF-B96F-CBB3-61B0-987ECA11EBEE}"/>
+                <a16:creationId xmlns:a16="http://schemas.microsoft.com/office/drawing/2014/main" id="{A830F66F-FEFE-1390-2C97-CBCD5BC98A2D}"/>
               </a:ext>
             </a:extLst>
           </p:cNvPr>
@@ -236,7 +236,7 @@
           <p:cNvPr id="4" name="日期占位符 3">
             <a:extLst>
               <a:ext uri="{FF2B5EF4-FFF2-40B4-BE49-F238E27FC236}">
-                <a16:creationId xmlns:a16="http://schemas.microsoft.com/office/drawing/2014/main" id="{8EB9DD1A-2669-53B9-579F-9B0EB95DDF5B}"/>
+                <a16:creationId xmlns:a16="http://schemas.microsoft.com/office/drawing/2014/main" id="{66AA195E-8770-2D78-0E6D-ACDE19E705E8}"/>
               </a:ext>
             </a:extLst>
           </p:cNvPr>
@@ -252,7 +252,7 @@
           <a:bodyPr/>
           <a:lstStyle/>
           <a:p>
-            <a:fld id="{B48BD703-0AC9-45EF-BC2F-7857F83A544D}" type="datetimeFigureOut">
+            <a:fld id="{533D3C87-AEB1-4BDA-ABA2-631BEFA799F0}" type="datetimeFigureOut">
               <a:rPr lang="zh-CN" altLang="en-US" smtClean="0"/>
               <a:t>2024/3/10</a:t>
             </a:fld>
@@ -265,7 +265,7 @@
           <p:cNvPr id="5" name="页脚占位符 4">
             <a:extLst>
               <a:ext uri="{FF2B5EF4-FFF2-40B4-BE49-F238E27FC236}">
-                <a16:creationId xmlns:a16="http://schemas.microsoft.com/office/drawing/2014/main" id="{E4BCD45D-3ABD-3206-93EA-F73DE88B90F1}"/>
+                <a16:creationId xmlns:a16="http://schemas.microsoft.com/office/drawing/2014/main" id="{D59B7DE9-A427-5BF4-C25F-6E629D66D0F9}"/>
               </a:ext>
             </a:extLst>
           </p:cNvPr>
@@ -290,7 +290,7 @@
           <p:cNvPr id="6" name="灯片编号占位符 5">
             <a:extLst>
               <a:ext uri="{FF2B5EF4-FFF2-40B4-BE49-F238E27FC236}">
-                <a16:creationId xmlns:a16="http://schemas.microsoft.com/office/drawing/2014/main" id="{CB507709-85CA-7FAF-016B-3C9289673877}"/>
+                <a16:creationId xmlns:a16="http://schemas.microsoft.com/office/drawing/2014/main" id="{5AA9F6C9-B4EA-6B84-4F5B-231708EDE562}"/>
               </a:ext>
             </a:extLst>
           </p:cNvPr>
@@ -306,7 +306,7 @@
           <a:bodyPr/>
           <a:lstStyle/>
           <a:p>
-            <a:fld id="{E77EEFF0-60C2-466F-B2D2-3E6757E9A901}" type="slidenum">
+            <a:fld id="{F2CEF4A1-20AC-4482-BE1D-028570C0278B}" type="slidenum">
               <a:rPr lang="zh-CN" altLang="en-US" smtClean="0"/>
               <a:t>‹#›</a:t>
             </a:fld>
@@ -317,7 +317,7 @@
     </p:spTree>
     <p:extLst>
       <p:ext uri="{BB962C8B-B14F-4D97-AF65-F5344CB8AC3E}">
-        <p14:creationId xmlns:p14="http://schemas.microsoft.com/office/powerpoint/2010/main" val="2979934945"/>
+        <p14:creationId xmlns:p14="http://schemas.microsoft.com/office/powerpoint/2010/main" val="3062732998"/>
       </p:ext>
     </p:extLst>
   </p:cSld>
@@ -349,7 +349,7 @@
           <p:cNvPr id="2" name="标题 1">
             <a:extLst>
               <a:ext uri="{FF2B5EF4-FFF2-40B4-BE49-F238E27FC236}">
-                <a16:creationId xmlns:a16="http://schemas.microsoft.com/office/drawing/2014/main" id="{6C1865BB-77F0-A14F-AC59-3F6417EB3E33}"/>
+                <a16:creationId xmlns:a16="http://schemas.microsoft.com/office/drawing/2014/main" id="{437B6060-FBA9-A432-8AEC-3E354EADF12B}"/>
               </a:ext>
             </a:extLst>
           </p:cNvPr>
@@ -377,7 +377,7 @@
           <p:cNvPr id="3" name="竖排文字占位符 2">
             <a:extLst>
               <a:ext uri="{FF2B5EF4-FFF2-40B4-BE49-F238E27FC236}">
-                <a16:creationId xmlns:a16="http://schemas.microsoft.com/office/drawing/2014/main" id="{D5E349A7-A706-306A-D009-87E8660BF472}"/>
+                <a16:creationId xmlns:a16="http://schemas.microsoft.com/office/drawing/2014/main" id="{2A7EA9C0-6474-2ADA-0ACE-1AE5D8EAF35A}"/>
               </a:ext>
             </a:extLst>
           </p:cNvPr>
@@ -434,7 +434,7 @@
           <p:cNvPr id="4" name="日期占位符 3">
             <a:extLst>
               <a:ext uri="{FF2B5EF4-FFF2-40B4-BE49-F238E27FC236}">
-                <a16:creationId xmlns:a16="http://schemas.microsoft.com/office/drawing/2014/main" id="{3BD4E817-C7C9-8BDE-B608-7F51A97920A3}"/>
+                <a16:creationId xmlns:a16="http://schemas.microsoft.com/office/drawing/2014/main" id="{87467622-5FB4-0AE1-53CC-110DFBCD11E4}"/>
               </a:ext>
             </a:extLst>
           </p:cNvPr>
@@ -450,7 +450,7 @@
           <a:bodyPr/>
           <a:lstStyle/>
           <a:p>
-            <a:fld id="{B48BD703-0AC9-45EF-BC2F-7857F83A544D}" type="datetimeFigureOut">
+            <a:fld id="{533D3C87-AEB1-4BDA-ABA2-631BEFA799F0}" type="datetimeFigureOut">
               <a:rPr lang="zh-CN" altLang="en-US" smtClean="0"/>
               <a:t>2024/3/10</a:t>
             </a:fld>
@@ -463,7 +463,7 @@
           <p:cNvPr id="5" name="页脚占位符 4">
             <a:extLst>
               <a:ext uri="{FF2B5EF4-FFF2-40B4-BE49-F238E27FC236}">
-                <a16:creationId xmlns:a16="http://schemas.microsoft.com/office/drawing/2014/main" id="{6A190915-E63C-28D8-3FDD-CB69B1AE57E6}"/>
+                <a16:creationId xmlns:a16="http://schemas.microsoft.com/office/drawing/2014/main" id="{2BCA3F47-120B-26C3-3F2E-57D16834D5CD}"/>
               </a:ext>
             </a:extLst>
           </p:cNvPr>
@@ -488,7 +488,7 @@
           <p:cNvPr id="6" name="灯片编号占位符 5">
             <a:extLst>
               <a:ext uri="{FF2B5EF4-FFF2-40B4-BE49-F238E27FC236}">
-                <a16:creationId xmlns:a16="http://schemas.microsoft.com/office/drawing/2014/main" id="{778EFAC9-BC9F-4196-B9F8-7EF43671823A}"/>
+                <a16:creationId xmlns:a16="http://schemas.microsoft.com/office/drawing/2014/main" id="{5BFCE8BD-B481-6A33-B1C3-9DD21CEE3475}"/>
               </a:ext>
             </a:extLst>
           </p:cNvPr>
@@ -504,7 +504,7 @@
           <a:bodyPr/>
           <a:lstStyle/>
           <a:p>
-            <a:fld id="{E77EEFF0-60C2-466F-B2D2-3E6757E9A901}" type="slidenum">
+            <a:fld id="{F2CEF4A1-20AC-4482-BE1D-028570C0278B}" type="slidenum">
               <a:rPr lang="zh-CN" altLang="en-US" smtClean="0"/>
               <a:t>‹#›</a:t>
             </a:fld>
@@ -515,7 +515,7 @@
     </p:spTree>
     <p:extLst>
       <p:ext uri="{BB962C8B-B14F-4D97-AF65-F5344CB8AC3E}">
-        <p14:creationId xmlns:p14="http://schemas.microsoft.com/office/powerpoint/2010/main" val="1996707439"/>
+        <p14:creationId xmlns:p14="http://schemas.microsoft.com/office/powerpoint/2010/main" val="1581570525"/>
       </p:ext>
     </p:extLst>
   </p:cSld>
@@ -547,7 +547,7 @@
           <p:cNvPr id="2" name="竖排标题 1">
             <a:extLst>
               <a:ext uri="{FF2B5EF4-FFF2-40B4-BE49-F238E27FC236}">
-                <a16:creationId xmlns:a16="http://schemas.microsoft.com/office/drawing/2014/main" id="{666E70D0-6B75-D7FE-8963-4E7B2B66E2C2}"/>
+                <a16:creationId xmlns:a16="http://schemas.microsoft.com/office/drawing/2014/main" id="{60BAE596-CAE9-8FA5-83AA-942FC6C3FE9A}"/>
               </a:ext>
             </a:extLst>
           </p:cNvPr>
@@ -580,7 +580,7 @@
           <p:cNvPr id="3" name="竖排文字占位符 2">
             <a:extLst>
               <a:ext uri="{FF2B5EF4-FFF2-40B4-BE49-F238E27FC236}">
-                <a16:creationId xmlns:a16="http://schemas.microsoft.com/office/drawing/2014/main" id="{F9C37874-76AE-44E8-E6B9-181C7DEFED6B}"/>
+                <a16:creationId xmlns:a16="http://schemas.microsoft.com/office/drawing/2014/main" id="{FB1E14F5-6885-F6C9-AE3E-FA7D539C5455}"/>
               </a:ext>
             </a:extLst>
           </p:cNvPr>
@@ -642,7 +642,7 @@
           <p:cNvPr id="4" name="日期占位符 3">
             <a:extLst>
               <a:ext uri="{FF2B5EF4-FFF2-40B4-BE49-F238E27FC236}">
-                <a16:creationId xmlns:a16="http://schemas.microsoft.com/office/drawing/2014/main" id="{20296FAE-35D1-765C-1E62-93B6D84DBEA7}"/>
+                <a16:creationId xmlns:a16="http://schemas.microsoft.com/office/drawing/2014/main" id="{A0B4361D-5D3C-A986-04EC-0AED39F371F6}"/>
               </a:ext>
             </a:extLst>
           </p:cNvPr>
@@ -658,7 +658,7 @@
           <a:bodyPr/>
           <a:lstStyle/>
           <a:p>
-            <a:fld id="{B48BD703-0AC9-45EF-BC2F-7857F83A544D}" type="datetimeFigureOut">
+            <a:fld id="{533D3C87-AEB1-4BDA-ABA2-631BEFA799F0}" type="datetimeFigureOut">
               <a:rPr lang="zh-CN" altLang="en-US" smtClean="0"/>
               <a:t>2024/3/10</a:t>
             </a:fld>
@@ -671,7 +671,7 @@
           <p:cNvPr id="5" name="页脚占位符 4">
             <a:extLst>
               <a:ext uri="{FF2B5EF4-FFF2-40B4-BE49-F238E27FC236}">
-                <a16:creationId xmlns:a16="http://schemas.microsoft.com/office/drawing/2014/main" id="{293EE442-D252-9528-0394-AC4E6DA71FF4}"/>
+                <a16:creationId xmlns:a16="http://schemas.microsoft.com/office/drawing/2014/main" id="{E441921D-4C40-7A93-FFFE-B8CABF533FEF}"/>
               </a:ext>
             </a:extLst>
           </p:cNvPr>
@@ -696,7 +696,7 @@
           <p:cNvPr id="6" name="灯片编号占位符 5">
             <a:extLst>
               <a:ext uri="{FF2B5EF4-FFF2-40B4-BE49-F238E27FC236}">
-                <a16:creationId xmlns:a16="http://schemas.microsoft.com/office/drawing/2014/main" id="{1A70155E-8819-B513-6A64-E9446930CFA2}"/>
+                <a16:creationId xmlns:a16="http://schemas.microsoft.com/office/drawing/2014/main" id="{EC8C2EF1-6E27-DB5B-1C77-038829568204}"/>
               </a:ext>
             </a:extLst>
           </p:cNvPr>
@@ -712,7 +712,7 @@
           <a:bodyPr/>
           <a:lstStyle/>
           <a:p>
-            <a:fld id="{E77EEFF0-60C2-466F-B2D2-3E6757E9A901}" type="slidenum">
+            <a:fld id="{F2CEF4A1-20AC-4482-BE1D-028570C0278B}" type="slidenum">
               <a:rPr lang="zh-CN" altLang="en-US" smtClean="0"/>
               <a:t>‹#›</a:t>
             </a:fld>
@@ -723,7 +723,7 @@
     </p:spTree>
     <p:extLst>
       <p:ext uri="{BB962C8B-B14F-4D97-AF65-F5344CB8AC3E}">
-        <p14:creationId xmlns:p14="http://schemas.microsoft.com/office/powerpoint/2010/main" val="807362208"/>
+        <p14:creationId xmlns:p14="http://schemas.microsoft.com/office/powerpoint/2010/main" val="3363042436"/>
       </p:ext>
     </p:extLst>
   </p:cSld>
@@ -755,7 +755,7 @@
           <p:cNvPr id="2" name="标题 1">
             <a:extLst>
               <a:ext uri="{FF2B5EF4-FFF2-40B4-BE49-F238E27FC236}">
-                <a16:creationId xmlns:a16="http://schemas.microsoft.com/office/drawing/2014/main" id="{D2D3C2F1-EF9D-2235-20AF-D543B922C215}"/>
+                <a16:creationId xmlns:a16="http://schemas.microsoft.com/office/drawing/2014/main" id="{DB7B2146-E3A4-B6D5-660E-33280F789888}"/>
               </a:ext>
             </a:extLst>
           </p:cNvPr>
@@ -783,7 +783,7 @@
           <p:cNvPr id="3" name="内容占位符 2">
             <a:extLst>
               <a:ext uri="{FF2B5EF4-FFF2-40B4-BE49-F238E27FC236}">
-                <a16:creationId xmlns:a16="http://schemas.microsoft.com/office/drawing/2014/main" id="{51B71D99-6F35-975C-20DA-B939A258155C}"/>
+                <a16:creationId xmlns:a16="http://schemas.microsoft.com/office/drawing/2014/main" id="{B1CAD09A-5C0A-D799-57FA-BA3A7DCB2752}"/>
               </a:ext>
             </a:extLst>
           </p:cNvPr>
@@ -840,7 +840,7 @@
           <p:cNvPr id="4" name="日期占位符 3">
             <a:extLst>
               <a:ext uri="{FF2B5EF4-FFF2-40B4-BE49-F238E27FC236}">
-                <a16:creationId xmlns:a16="http://schemas.microsoft.com/office/drawing/2014/main" id="{83CFBBB5-C72D-B9CE-0D00-7649650B0E91}"/>
+                <a16:creationId xmlns:a16="http://schemas.microsoft.com/office/drawing/2014/main" id="{81254F73-AB70-D9A2-6352-9D743E7577BF}"/>
               </a:ext>
             </a:extLst>
           </p:cNvPr>
@@ -856,7 +856,7 @@
           <a:bodyPr/>
           <a:lstStyle/>
           <a:p>
-            <a:fld id="{B48BD703-0AC9-45EF-BC2F-7857F83A544D}" type="datetimeFigureOut">
+            <a:fld id="{533D3C87-AEB1-4BDA-ABA2-631BEFA799F0}" type="datetimeFigureOut">
               <a:rPr lang="zh-CN" altLang="en-US" smtClean="0"/>
               <a:t>2024/3/10</a:t>
             </a:fld>
@@ -869,7 +869,7 @@
           <p:cNvPr id="5" name="页脚占位符 4">
             <a:extLst>
               <a:ext uri="{FF2B5EF4-FFF2-40B4-BE49-F238E27FC236}">
-                <a16:creationId xmlns:a16="http://schemas.microsoft.com/office/drawing/2014/main" id="{94CE3579-5A65-A379-82AE-FF7BB2529CF0}"/>
+                <a16:creationId xmlns:a16="http://schemas.microsoft.com/office/drawing/2014/main" id="{AA15B046-B222-D278-EF10-96024C779861}"/>
               </a:ext>
             </a:extLst>
           </p:cNvPr>
@@ -894,7 +894,7 @@
           <p:cNvPr id="6" name="灯片编号占位符 5">
             <a:extLst>
               <a:ext uri="{FF2B5EF4-FFF2-40B4-BE49-F238E27FC236}">
-                <a16:creationId xmlns:a16="http://schemas.microsoft.com/office/drawing/2014/main" id="{D855D993-5D2B-50AC-5C40-BF7F069B4135}"/>
+                <a16:creationId xmlns:a16="http://schemas.microsoft.com/office/drawing/2014/main" id="{432854AD-994C-8527-69AD-CCC7A263C8DD}"/>
               </a:ext>
             </a:extLst>
           </p:cNvPr>
@@ -910,7 +910,7 @@
           <a:bodyPr/>
           <a:lstStyle/>
           <a:p>
-            <a:fld id="{E77EEFF0-60C2-466F-B2D2-3E6757E9A901}" type="slidenum">
+            <a:fld id="{F2CEF4A1-20AC-4482-BE1D-028570C0278B}" type="slidenum">
               <a:rPr lang="zh-CN" altLang="en-US" smtClean="0"/>
               <a:t>‹#›</a:t>
             </a:fld>
@@ -921,7 +921,7 @@
     </p:spTree>
     <p:extLst>
       <p:ext uri="{BB962C8B-B14F-4D97-AF65-F5344CB8AC3E}">
-        <p14:creationId xmlns:p14="http://schemas.microsoft.com/office/powerpoint/2010/main" val="3317628821"/>
+        <p14:creationId xmlns:p14="http://schemas.microsoft.com/office/powerpoint/2010/main" val="826739671"/>
       </p:ext>
     </p:extLst>
   </p:cSld>
@@ -953,7 +953,7 @@
           <p:cNvPr id="2" name="标题 1">
             <a:extLst>
               <a:ext uri="{FF2B5EF4-FFF2-40B4-BE49-F238E27FC236}">
-                <a16:creationId xmlns:a16="http://schemas.microsoft.com/office/drawing/2014/main" id="{D206ABB1-B6BC-D57B-A41C-CEF902B49456}"/>
+                <a16:creationId xmlns:a16="http://schemas.microsoft.com/office/drawing/2014/main" id="{96983719-6E05-96D7-A99B-1834E8A96ED3}"/>
               </a:ext>
             </a:extLst>
           </p:cNvPr>
@@ -990,7 +990,7 @@
           <p:cNvPr id="3" name="文本占位符 2">
             <a:extLst>
               <a:ext uri="{FF2B5EF4-FFF2-40B4-BE49-F238E27FC236}">
-                <a16:creationId xmlns:a16="http://schemas.microsoft.com/office/drawing/2014/main" id="{FEE95491-D868-5DA5-974A-A13E55529E90}"/>
+                <a16:creationId xmlns:a16="http://schemas.microsoft.com/office/drawing/2014/main" id="{FF34C866-16C2-44E8-9678-18D3DFFD1D40}"/>
               </a:ext>
             </a:extLst>
           </p:cNvPr>
@@ -1115,7 +1115,7 @@
           <p:cNvPr id="4" name="日期占位符 3">
             <a:extLst>
               <a:ext uri="{FF2B5EF4-FFF2-40B4-BE49-F238E27FC236}">
-                <a16:creationId xmlns:a16="http://schemas.microsoft.com/office/drawing/2014/main" id="{479139D8-161D-E622-E9D4-5A338378EDF6}"/>
+                <a16:creationId xmlns:a16="http://schemas.microsoft.com/office/drawing/2014/main" id="{6E72F8EB-B28D-CD75-E33D-54729093470A}"/>
               </a:ext>
             </a:extLst>
           </p:cNvPr>
@@ -1131,7 +1131,7 @@
           <a:bodyPr/>
           <a:lstStyle/>
           <a:p>
-            <a:fld id="{B48BD703-0AC9-45EF-BC2F-7857F83A544D}" type="datetimeFigureOut">
+            <a:fld id="{533D3C87-AEB1-4BDA-ABA2-631BEFA799F0}" type="datetimeFigureOut">
               <a:rPr lang="zh-CN" altLang="en-US" smtClean="0"/>
               <a:t>2024/3/10</a:t>
             </a:fld>
@@ -1144,7 +1144,7 @@
           <p:cNvPr id="5" name="页脚占位符 4">
             <a:extLst>
               <a:ext uri="{FF2B5EF4-FFF2-40B4-BE49-F238E27FC236}">
-                <a16:creationId xmlns:a16="http://schemas.microsoft.com/office/drawing/2014/main" id="{801BA733-FDE6-0C11-F7DD-D43E26434DC8}"/>
+                <a16:creationId xmlns:a16="http://schemas.microsoft.com/office/drawing/2014/main" id="{E7F93B56-AF3A-80AC-A168-9B2FEAC9C8DF}"/>
               </a:ext>
             </a:extLst>
           </p:cNvPr>
@@ -1169,7 +1169,7 @@
           <p:cNvPr id="6" name="灯片编号占位符 5">
             <a:extLst>
               <a:ext uri="{FF2B5EF4-FFF2-40B4-BE49-F238E27FC236}">
-                <a16:creationId xmlns:a16="http://schemas.microsoft.com/office/drawing/2014/main" id="{21C9C69D-BBC3-423D-6CAE-F4BC98E82371}"/>
+                <a16:creationId xmlns:a16="http://schemas.microsoft.com/office/drawing/2014/main" id="{69716C9B-2E57-5E78-CC16-6BEDE6F443E2}"/>
               </a:ext>
             </a:extLst>
           </p:cNvPr>
@@ -1185,7 +1185,7 @@
           <a:bodyPr/>
           <a:lstStyle/>
           <a:p>
-            <a:fld id="{E77EEFF0-60C2-466F-B2D2-3E6757E9A901}" type="slidenum">
+            <a:fld id="{F2CEF4A1-20AC-4482-BE1D-028570C0278B}" type="slidenum">
               <a:rPr lang="zh-CN" altLang="en-US" smtClean="0"/>
               <a:t>‹#›</a:t>
             </a:fld>
@@ -1196,7 +1196,7 @@
     </p:spTree>
     <p:extLst>
       <p:ext uri="{BB962C8B-B14F-4D97-AF65-F5344CB8AC3E}">
-        <p14:creationId xmlns:p14="http://schemas.microsoft.com/office/powerpoint/2010/main" val="1021189123"/>
+        <p14:creationId xmlns:p14="http://schemas.microsoft.com/office/powerpoint/2010/main" val="1350553334"/>
       </p:ext>
     </p:extLst>
   </p:cSld>
@@ -1228,7 +1228,7 @@
           <p:cNvPr id="2" name="标题 1">
             <a:extLst>
               <a:ext uri="{FF2B5EF4-FFF2-40B4-BE49-F238E27FC236}">
-                <a16:creationId xmlns:a16="http://schemas.microsoft.com/office/drawing/2014/main" id="{CEAC6322-C2A6-FE5F-A49E-1AA24462A7D2}"/>
+                <a16:creationId xmlns:a16="http://schemas.microsoft.com/office/drawing/2014/main" id="{799684F3-3848-E18C-DBAB-614D1289AC49}"/>
               </a:ext>
             </a:extLst>
           </p:cNvPr>
@@ -1256,7 +1256,7 @@
           <p:cNvPr id="3" name="内容占位符 2">
             <a:extLst>
               <a:ext uri="{FF2B5EF4-FFF2-40B4-BE49-F238E27FC236}">
-                <a16:creationId xmlns:a16="http://schemas.microsoft.com/office/drawing/2014/main" id="{BAE6314C-43FB-8873-CC9C-3D1040EF9291}"/>
+                <a16:creationId xmlns:a16="http://schemas.microsoft.com/office/drawing/2014/main" id="{22C18238-09B7-CF2C-C25C-F1C75CEBAE2E}"/>
               </a:ext>
             </a:extLst>
           </p:cNvPr>
@@ -1318,7 +1318,7 @@
           <p:cNvPr id="4" name="内容占位符 3">
             <a:extLst>
               <a:ext uri="{FF2B5EF4-FFF2-40B4-BE49-F238E27FC236}">
-                <a16:creationId xmlns:a16="http://schemas.microsoft.com/office/drawing/2014/main" id="{519DFA01-F3B7-4F1B-B572-F4F1B27EF0C5}"/>
+                <a16:creationId xmlns:a16="http://schemas.microsoft.com/office/drawing/2014/main" id="{6AE7504C-13E1-264D-0403-020638C3342F}"/>
               </a:ext>
             </a:extLst>
           </p:cNvPr>
@@ -1380,7 +1380,7 @@
           <p:cNvPr id="5" name="日期占位符 4">
             <a:extLst>
               <a:ext uri="{FF2B5EF4-FFF2-40B4-BE49-F238E27FC236}">
-                <a16:creationId xmlns:a16="http://schemas.microsoft.com/office/drawing/2014/main" id="{23AFB2FE-87C0-41DE-7436-147B2215DA45}"/>
+                <a16:creationId xmlns:a16="http://schemas.microsoft.com/office/drawing/2014/main" id="{608A8F22-961E-B6C8-F1AA-7BC8E07644A8}"/>
               </a:ext>
             </a:extLst>
           </p:cNvPr>
@@ -1396,7 +1396,7 @@
           <a:bodyPr/>
           <a:lstStyle/>
           <a:p>
-            <a:fld id="{B48BD703-0AC9-45EF-BC2F-7857F83A544D}" type="datetimeFigureOut">
+            <a:fld id="{533D3C87-AEB1-4BDA-ABA2-631BEFA799F0}" type="datetimeFigureOut">
               <a:rPr lang="zh-CN" altLang="en-US" smtClean="0"/>
               <a:t>2024/3/10</a:t>
             </a:fld>
@@ -1409,7 +1409,7 @@
           <p:cNvPr id="6" name="页脚占位符 5">
             <a:extLst>
               <a:ext uri="{FF2B5EF4-FFF2-40B4-BE49-F238E27FC236}">
-                <a16:creationId xmlns:a16="http://schemas.microsoft.com/office/drawing/2014/main" id="{6271EF37-58B8-3681-C637-CDF4B69145DC}"/>
+                <a16:creationId xmlns:a16="http://schemas.microsoft.com/office/drawing/2014/main" id="{A44E1E2E-C408-817E-D7CE-D8225F6AC27E}"/>
               </a:ext>
             </a:extLst>
           </p:cNvPr>
@@ -1434,7 +1434,7 @@
           <p:cNvPr id="7" name="灯片编号占位符 6">
             <a:extLst>
               <a:ext uri="{FF2B5EF4-FFF2-40B4-BE49-F238E27FC236}">
-                <a16:creationId xmlns:a16="http://schemas.microsoft.com/office/drawing/2014/main" id="{F07C2448-6741-CEB6-DCCF-E363AC571DA3}"/>
+                <a16:creationId xmlns:a16="http://schemas.microsoft.com/office/drawing/2014/main" id="{C0B96E6C-1E31-A8B3-E0DE-2FF0CDC3C87A}"/>
               </a:ext>
             </a:extLst>
           </p:cNvPr>
@@ -1450,7 +1450,7 @@
           <a:bodyPr/>
           <a:lstStyle/>
           <a:p>
-            <a:fld id="{E77EEFF0-60C2-466F-B2D2-3E6757E9A901}" type="slidenum">
+            <a:fld id="{F2CEF4A1-20AC-4482-BE1D-028570C0278B}" type="slidenum">
               <a:rPr lang="zh-CN" altLang="en-US" smtClean="0"/>
               <a:t>‹#›</a:t>
             </a:fld>
@@ -1461,7 +1461,7 @@
     </p:spTree>
     <p:extLst>
       <p:ext uri="{BB962C8B-B14F-4D97-AF65-F5344CB8AC3E}">
-        <p14:creationId xmlns:p14="http://schemas.microsoft.com/office/powerpoint/2010/main" val="2750185342"/>
+        <p14:creationId xmlns:p14="http://schemas.microsoft.com/office/powerpoint/2010/main" val="2431077383"/>
       </p:ext>
     </p:extLst>
   </p:cSld>
@@ -1493,7 +1493,7 @@
           <p:cNvPr id="2" name="标题 1">
             <a:extLst>
               <a:ext uri="{FF2B5EF4-FFF2-40B4-BE49-F238E27FC236}">
-                <a16:creationId xmlns:a16="http://schemas.microsoft.com/office/drawing/2014/main" id="{3D5A6AB3-38F8-DA1F-BFBE-E5BFE6583095}"/>
+                <a16:creationId xmlns:a16="http://schemas.microsoft.com/office/drawing/2014/main" id="{4FD7582A-281A-59A6-1F8E-4E36C9CF98DB}"/>
               </a:ext>
             </a:extLst>
           </p:cNvPr>
@@ -1526,7 +1526,7 @@
           <p:cNvPr id="3" name="文本占位符 2">
             <a:extLst>
               <a:ext uri="{FF2B5EF4-FFF2-40B4-BE49-F238E27FC236}">
-                <a16:creationId xmlns:a16="http://schemas.microsoft.com/office/drawing/2014/main" id="{59F26F2C-B03B-7FF8-17FE-555D6CE22A75}"/>
+                <a16:creationId xmlns:a16="http://schemas.microsoft.com/office/drawing/2014/main" id="{7ECFA0C9-2F8F-79AF-BB9A-B1BE3BA6D5F4}"/>
               </a:ext>
             </a:extLst>
           </p:cNvPr>
@@ -1597,7 +1597,7 @@
           <p:cNvPr id="4" name="内容占位符 3">
             <a:extLst>
               <a:ext uri="{FF2B5EF4-FFF2-40B4-BE49-F238E27FC236}">
-                <a16:creationId xmlns:a16="http://schemas.microsoft.com/office/drawing/2014/main" id="{56BE83FF-ED4B-9932-B261-277FB31149D4}"/>
+                <a16:creationId xmlns:a16="http://schemas.microsoft.com/office/drawing/2014/main" id="{43805DEC-DBE2-CB58-FDF5-AEB00243CA0D}"/>
               </a:ext>
             </a:extLst>
           </p:cNvPr>
@@ -1659,7 +1659,7 @@
           <p:cNvPr id="5" name="文本占位符 4">
             <a:extLst>
               <a:ext uri="{FF2B5EF4-FFF2-40B4-BE49-F238E27FC236}">
-                <a16:creationId xmlns:a16="http://schemas.microsoft.com/office/drawing/2014/main" id="{F3CC308F-A66B-1BA0-AA54-C2A0E17BE7F7}"/>
+                <a16:creationId xmlns:a16="http://schemas.microsoft.com/office/drawing/2014/main" id="{B45E7FA8-66B5-95D6-60F5-36D5B5CCF285}"/>
               </a:ext>
             </a:extLst>
           </p:cNvPr>
@@ -1730,7 +1730,7 @@
           <p:cNvPr id="6" name="内容占位符 5">
             <a:extLst>
               <a:ext uri="{FF2B5EF4-FFF2-40B4-BE49-F238E27FC236}">
-                <a16:creationId xmlns:a16="http://schemas.microsoft.com/office/drawing/2014/main" id="{7CDECD37-41C4-DB6C-87E6-DAECF631DA10}"/>
+                <a16:creationId xmlns:a16="http://schemas.microsoft.com/office/drawing/2014/main" id="{6D8B8E1C-A9ED-453C-06FC-4423080C79DE}"/>
               </a:ext>
             </a:extLst>
           </p:cNvPr>
@@ -1792,7 +1792,7 @@
           <p:cNvPr id="7" name="日期占位符 6">
             <a:extLst>
               <a:ext uri="{FF2B5EF4-FFF2-40B4-BE49-F238E27FC236}">
-                <a16:creationId xmlns:a16="http://schemas.microsoft.com/office/drawing/2014/main" id="{F0D60367-31C6-5524-1EA1-DB3A308A87C6}"/>
+                <a16:creationId xmlns:a16="http://schemas.microsoft.com/office/drawing/2014/main" id="{BFE66618-C614-237D-C20B-32D6C9F76501}"/>
               </a:ext>
             </a:extLst>
           </p:cNvPr>
@@ -1808,7 +1808,7 @@
           <a:bodyPr/>
           <a:lstStyle/>
           <a:p>
-            <a:fld id="{B48BD703-0AC9-45EF-BC2F-7857F83A544D}" type="datetimeFigureOut">
+            <a:fld id="{533D3C87-AEB1-4BDA-ABA2-631BEFA799F0}" type="datetimeFigureOut">
               <a:rPr lang="zh-CN" altLang="en-US" smtClean="0"/>
               <a:t>2024/3/10</a:t>
             </a:fld>
@@ -1821,7 +1821,7 @@
           <p:cNvPr id="8" name="页脚占位符 7">
             <a:extLst>
               <a:ext uri="{FF2B5EF4-FFF2-40B4-BE49-F238E27FC236}">
-                <a16:creationId xmlns:a16="http://schemas.microsoft.com/office/drawing/2014/main" id="{054EA18A-8C8C-65B9-4FEC-BB83425661C4}"/>
+                <a16:creationId xmlns:a16="http://schemas.microsoft.com/office/drawing/2014/main" id="{87C58FC8-A869-124A-EF5E-558ECE6AAA0A}"/>
               </a:ext>
             </a:extLst>
           </p:cNvPr>
@@ -1846,7 +1846,7 @@
           <p:cNvPr id="9" name="灯片编号占位符 8">
             <a:extLst>
               <a:ext uri="{FF2B5EF4-FFF2-40B4-BE49-F238E27FC236}">
-                <a16:creationId xmlns:a16="http://schemas.microsoft.com/office/drawing/2014/main" id="{FFD23B30-E645-E106-1B22-967591D2E1C9}"/>
+                <a16:creationId xmlns:a16="http://schemas.microsoft.com/office/drawing/2014/main" id="{F246F8B2-A85B-6098-7AE1-8D55B7E280AD}"/>
               </a:ext>
             </a:extLst>
           </p:cNvPr>
@@ -1862,7 +1862,7 @@
           <a:bodyPr/>
           <a:lstStyle/>
           <a:p>
-            <a:fld id="{E77EEFF0-60C2-466F-B2D2-3E6757E9A901}" type="slidenum">
+            <a:fld id="{F2CEF4A1-20AC-4482-BE1D-028570C0278B}" type="slidenum">
               <a:rPr lang="zh-CN" altLang="en-US" smtClean="0"/>
               <a:t>‹#›</a:t>
             </a:fld>
@@ -1873,7 +1873,7 @@
     </p:spTree>
     <p:extLst>
       <p:ext uri="{BB962C8B-B14F-4D97-AF65-F5344CB8AC3E}">
-        <p14:creationId xmlns:p14="http://schemas.microsoft.com/office/powerpoint/2010/main" val="912003731"/>
+        <p14:creationId xmlns:p14="http://schemas.microsoft.com/office/powerpoint/2010/main" val="1671701230"/>
       </p:ext>
     </p:extLst>
   </p:cSld>
@@ -1905,7 +1905,7 @@
           <p:cNvPr id="2" name="标题 1">
             <a:extLst>
               <a:ext uri="{FF2B5EF4-FFF2-40B4-BE49-F238E27FC236}">
-                <a16:creationId xmlns:a16="http://schemas.microsoft.com/office/drawing/2014/main" id="{78857EF7-D572-191D-F46E-32764B4AEAFC}"/>
+                <a16:creationId xmlns:a16="http://schemas.microsoft.com/office/drawing/2014/main" id="{969F5D5B-C7FA-E223-DCF4-535EBA9D2848}"/>
               </a:ext>
             </a:extLst>
           </p:cNvPr>
@@ -1933,7 +1933,7 @@
           <p:cNvPr id="3" name="日期占位符 2">
             <a:extLst>
               <a:ext uri="{FF2B5EF4-FFF2-40B4-BE49-F238E27FC236}">
-                <a16:creationId xmlns:a16="http://schemas.microsoft.com/office/drawing/2014/main" id="{A8E55E00-59A2-8309-F3C6-40C098FB76A3}"/>
+                <a16:creationId xmlns:a16="http://schemas.microsoft.com/office/drawing/2014/main" id="{89D84AD5-04A2-4B50-F60B-0E9149FB1EB4}"/>
               </a:ext>
             </a:extLst>
           </p:cNvPr>
@@ -1949,7 +1949,7 @@
           <a:bodyPr/>
           <a:lstStyle/>
           <a:p>
-            <a:fld id="{B48BD703-0AC9-45EF-BC2F-7857F83A544D}" type="datetimeFigureOut">
+            <a:fld id="{533D3C87-AEB1-4BDA-ABA2-631BEFA799F0}" type="datetimeFigureOut">
               <a:rPr lang="zh-CN" altLang="en-US" smtClean="0"/>
               <a:t>2024/3/10</a:t>
             </a:fld>
@@ -1962,7 +1962,7 @@
           <p:cNvPr id="4" name="页脚占位符 3">
             <a:extLst>
               <a:ext uri="{FF2B5EF4-FFF2-40B4-BE49-F238E27FC236}">
-                <a16:creationId xmlns:a16="http://schemas.microsoft.com/office/drawing/2014/main" id="{D892AD28-F251-2C77-A3E9-D6D99BEB44E5}"/>
+                <a16:creationId xmlns:a16="http://schemas.microsoft.com/office/drawing/2014/main" id="{49995C18-4F49-7314-432C-653D08DCF893}"/>
               </a:ext>
             </a:extLst>
           </p:cNvPr>
@@ -1987,7 +1987,7 @@
           <p:cNvPr id="5" name="灯片编号占位符 4">
             <a:extLst>
               <a:ext uri="{FF2B5EF4-FFF2-40B4-BE49-F238E27FC236}">
-                <a16:creationId xmlns:a16="http://schemas.microsoft.com/office/drawing/2014/main" id="{21406F59-D690-AE43-7CBE-778ED477656E}"/>
+                <a16:creationId xmlns:a16="http://schemas.microsoft.com/office/drawing/2014/main" id="{4B0E6D0A-31BF-5DBB-D28E-336E43E11151}"/>
               </a:ext>
             </a:extLst>
           </p:cNvPr>
@@ -2003,7 +2003,7 @@
           <a:bodyPr/>
           <a:lstStyle/>
           <a:p>
-            <a:fld id="{E77EEFF0-60C2-466F-B2D2-3E6757E9A901}" type="slidenum">
+            <a:fld id="{F2CEF4A1-20AC-4482-BE1D-028570C0278B}" type="slidenum">
               <a:rPr lang="zh-CN" altLang="en-US" smtClean="0"/>
               <a:t>‹#›</a:t>
             </a:fld>
@@ -2014,7 +2014,7 @@
     </p:spTree>
     <p:extLst>
       <p:ext uri="{BB962C8B-B14F-4D97-AF65-F5344CB8AC3E}">
-        <p14:creationId xmlns:p14="http://schemas.microsoft.com/office/powerpoint/2010/main" val="4092221613"/>
+        <p14:creationId xmlns:p14="http://schemas.microsoft.com/office/powerpoint/2010/main" val="1652576111"/>
       </p:ext>
     </p:extLst>
   </p:cSld>
@@ -2046,7 +2046,7 @@
           <p:cNvPr id="2" name="日期占位符 1">
             <a:extLst>
               <a:ext uri="{FF2B5EF4-FFF2-40B4-BE49-F238E27FC236}">
-                <a16:creationId xmlns:a16="http://schemas.microsoft.com/office/drawing/2014/main" id="{9F6BA4F0-CDA9-9D39-E3D9-8C049F6CCB89}"/>
+                <a16:creationId xmlns:a16="http://schemas.microsoft.com/office/drawing/2014/main" id="{7813A4AE-B5F9-074C-E517-FB14D7CB6EEF}"/>
               </a:ext>
             </a:extLst>
           </p:cNvPr>
@@ -2062,7 +2062,7 @@
           <a:bodyPr/>
           <a:lstStyle/>
           <a:p>
-            <a:fld id="{B48BD703-0AC9-45EF-BC2F-7857F83A544D}" type="datetimeFigureOut">
+            <a:fld id="{533D3C87-AEB1-4BDA-ABA2-631BEFA799F0}" type="datetimeFigureOut">
               <a:rPr lang="zh-CN" altLang="en-US" smtClean="0"/>
               <a:t>2024/3/10</a:t>
             </a:fld>
@@ -2075,7 +2075,7 @@
           <p:cNvPr id="3" name="页脚占位符 2">
             <a:extLst>
               <a:ext uri="{FF2B5EF4-FFF2-40B4-BE49-F238E27FC236}">
-                <a16:creationId xmlns:a16="http://schemas.microsoft.com/office/drawing/2014/main" id="{DC149B5D-1E14-A5B1-B4AD-5CEF850B05B5}"/>
+                <a16:creationId xmlns:a16="http://schemas.microsoft.com/office/drawing/2014/main" id="{64976342-CD72-7F62-4F05-7B396B284731}"/>
               </a:ext>
             </a:extLst>
           </p:cNvPr>
@@ -2100,7 +2100,7 @@
           <p:cNvPr id="4" name="灯片编号占位符 3">
             <a:extLst>
               <a:ext uri="{FF2B5EF4-FFF2-40B4-BE49-F238E27FC236}">
-                <a16:creationId xmlns:a16="http://schemas.microsoft.com/office/drawing/2014/main" id="{5E2CDAB3-DABC-EC1E-243A-5A9F4826B22C}"/>
+                <a16:creationId xmlns:a16="http://schemas.microsoft.com/office/drawing/2014/main" id="{67A82871-77DA-70E3-E2EB-2F924331B6C2}"/>
               </a:ext>
             </a:extLst>
           </p:cNvPr>
@@ -2116,7 +2116,7 @@
           <a:bodyPr/>
           <a:lstStyle/>
           <a:p>
-            <a:fld id="{E77EEFF0-60C2-466F-B2D2-3E6757E9A901}" type="slidenum">
+            <a:fld id="{F2CEF4A1-20AC-4482-BE1D-028570C0278B}" type="slidenum">
               <a:rPr lang="zh-CN" altLang="en-US" smtClean="0"/>
               <a:t>‹#›</a:t>
             </a:fld>
@@ -2127,7 +2127,7 @@
     </p:spTree>
     <p:extLst>
       <p:ext uri="{BB962C8B-B14F-4D97-AF65-F5344CB8AC3E}">
-        <p14:creationId xmlns:p14="http://schemas.microsoft.com/office/powerpoint/2010/main" val="1046882943"/>
+        <p14:creationId xmlns:p14="http://schemas.microsoft.com/office/powerpoint/2010/main" val="1466555748"/>
       </p:ext>
     </p:extLst>
   </p:cSld>
@@ -2159,7 +2159,7 @@
           <p:cNvPr id="2" name="标题 1">
             <a:extLst>
               <a:ext uri="{FF2B5EF4-FFF2-40B4-BE49-F238E27FC236}">
-                <a16:creationId xmlns:a16="http://schemas.microsoft.com/office/drawing/2014/main" id="{F6A0CFE7-BAC5-4C32-BC17-A03B27A7CFE5}"/>
+                <a16:creationId xmlns:a16="http://schemas.microsoft.com/office/drawing/2014/main" id="{DE3EAD74-0301-C40B-9C2F-72D4A490D5CE}"/>
               </a:ext>
             </a:extLst>
           </p:cNvPr>
@@ -2196,7 +2196,7 @@
           <p:cNvPr id="3" name="内容占位符 2">
             <a:extLst>
               <a:ext uri="{FF2B5EF4-FFF2-40B4-BE49-F238E27FC236}">
-                <a16:creationId xmlns:a16="http://schemas.microsoft.com/office/drawing/2014/main" id="{26D9E982-FEB7-E473-CD02-CFF70677ED59}"/>
+                <a16:creationId xmlns:a16="http://schemas.microsoft.com/office/drawing/2014/main" id="{4D354E44-DC5D-C65D-6C5F-8C0F08A7E614}"/>
               </a:ext>
             </a:extLst>
           </p:cNvPr>
@@ -2286,7 +2286,7 @@
           <p:cNvPr id="4" name="文本占位符 3">
             <a:extLst>
               <a:ext uri="{FF2B5EF4-FFF2-40B4-BE49-F238E27FC236}">
-                <a16:creationId xmlns:a16="http://schemas.microsoft.com/office/drawing/2014/main" id="{8968DFDD-79CD-EE4E-DC96-6B250A519FA8}"/>
+                <a16:creationId xmlns:a16="http://schemas.microsoft.com/office/drawing/2014/main" id="{7893613C-BBA5-32EC-612C-A1193163A0AD}"/>
               </a:ext>
             </a:extLst>
           </p:cNvPr>
@@ -2357,7 +2357,7 @@
           <p:cNvPr id="5" name="日期占位符 4">
             <a:extLst>
               <a:ext uri="{FF2B5EF4-FFF2-40B4-BE49-F238E27FC236}">
-                <a16:creationId xmlns:a16="http://schemas.microsoft.com/office/drawing/2014/main" id="{22110680-0E61-6415-BC2E-7440D347BF52}"/>
+                <a16:creationId xmlns:a16="http://schemas.microsoft.com/office/drawing/2014/main" id="{CEA1B659-E765-99C8-6F04-331FE8F56088}"/>
               </a:ext>
             </a:extLst>
           </p:cNvPr>
@@ -2373,7 +2373,7 @@
           <a:bodyPr/>
           <a:lstStyle/>
           <a:p>
-            <a:fld id="{B48BD703-0AC9-45EF-BC2F-7857F83A544D}" type="datetimeFigureOut">
+            <a:fld id="{533D3C87-AEB1-4BDA-ABA2-631BEFA799F0}" type="datetimeFigureOut">
               <a:rPr lang="zh-CN" altLang="en-US" smtClean="0"/>
               <a:t>2024/3/10</a:t>
             </a:fld>
@@ -2386,7 +2386,7 @@
           <p:cNvPr id="6" name="页脚占位符 5">
             <a:extLst>
               <a:ext uri="{FF2B5EF4-FFF2-40B4-BE49-F238E27FC236}">
-                <a16:creationId xmlns:a16="http://schemas.microsoft.com/office/drawing/2014/main" id="{29FDF5D1-74CE-DD8A-2437-B5907CABDC1B}"/>
+                <a16:creationId xmlns:a16="http://schemas.microsoft.com/office/drawing/2014/main" id="{70D1D1D7-973A-84B3-1B62-0997B583155B}"/>
               </a:ext>
             </a:extLst>
           </p:cNvPr>
@@ -2411,7 +2411,7 @@
           <p:cNvPr id="7" name="灯片编号占位符 6">
             <a:extLst>
               <a:ext uri="{FF2B5EF4-FFF2-40B4-BE49-F238E27FC236}">
-                <a16:creationId xmlns:a16="http://schemas.microsoft.com/office/drawing/2014/main" id="{143FA4D4-6CD1-9858-3106-F6FE802057B4}"/>
+                <a16:creationId xmlns:a16="http://schemas.microsoft.com/office/drawing/2014/main" id="{5F41BB7C-BEF5-EED9-648C-6EB3231AC512}"/>
               </a:ext>
             </a:extLst>
           </p:cNvPr>
@@ -2427,7 +2427,7 @@
           <a:bodyPr/>
           <a:lstStyle/>
           <a:p>
-            <a:fld id="{E77EEFF0-60C2-466F-B2D2-3E6757E9A901}" type="slidenum">
+            <a:fld id="{F2CEF4A1-20AC-4482-BE1D-028570C0278B}" type="slidenum">
               <a:rPr lang="zh-CN" altLang="en-US" smtClean="0"/>
               <a:t>‹#›</a:t>
             </a:fld>
@@ -2438,7 +2438,7 @@
     </p:spTree>
     <p:extLst>
       <p:ext uri="{BB962C8B-B14F-4D97-AF65-F5344CB8AC3E}">
-        <p14:creationId xmlns:p14="http://schemas.microsoft.com/office/powerpoint/2010/main" val="92136495"/>
+        <p14:creationId xmlns:p14="http://schemas.microsoft.com/office/powerpoint/2010/main" val="3973821606"/>
       </p:ext>
     </p:extLst>
   </p:cSld>
@@ -2470,7 +2470,7 @@
           <p:cNvPr id="2" name="标题 1">
             <a:extLst>
               <a:ext uri="{FF2B5EF4-FFF2-40B4-BE49-F238E27FC236}">
-                <a16:creationId xmlns:a16="http://schemas.microsoft.com/office/drawing/2014/main" id="{4BC62437-C041-162A-B63E-69B5CC483747}"/>
+                <a16:creationId xmlns:a16="http://schemas.microsoft.com/office/drawing/2014/main" id="{E786059A-0235-1946-6E19-42BA987CED87}"/>
               </a:ext>
             </a:extLst>
           </p:cNvPr>
@@ -2507,7 +2507,7 @@
           <p:cNvPr id="3" name="图片占位符 2">
             <a:extLst>
               <a:ext uri="{FF2B5EF4-FFF2-40B4-BE49-F238E27FC236}">
-                <a16:creationId xmlns:a16="http://schemas.microsoft.com/office/drawing/2014/main" id="{F6727984-C73D-B321-843B-A2D4E88A944D}"/>
+                <a16:creationId xmlns:a16="http://schemas.microsoft.com/office/drawing/2014/main" id="{D03ECA45-240B-D50D-DD82-12E3D488983A}"/>
               </a:ext>
             </a:extLst>
           </p:cNvPr>
@@ -2574,7 +2574,7 @@
           <p:cNvPr id="4" name="文本占位符 3">
             <a:extLst>
               <a:ext uri="{FF2B5EF4-FFF2-40B4-BE49-F238E27FC236}">
-                <a16:creationId xmlns:a16="http://schemas.microsoft.com/office/drawing/2014/main" id="{A4810D8B-0AC8-B49D-9F1A-56DABDB63D03}"/>
+                <a16:creationId xmlns:a16="http://schemas.microsoft.com/office/drawing/2014/main" id="{4C9C9F42-0D50-345E-8161-3F218ABCD27E}"/>
               </a:ext>
             </a:extLst>
           </p:cNvPr>
@@ -2645,7 +2645,7 @@
           <p:cNvPr id="5" name="日期占位符 4">
             <a:extLst>
               <a:ext uri="{FF2B5EF4-FFF2-40B4-BE49-F238E27FC236}">
-                <a16:creationId xmlns:a16="http://schemas.microsoft.com/office/drawing/2014/main" id="{9D9C543C-F506-2249-CA35-D066340EA8A4}"/>
+                <a16:creationId xmlns:a16="http://schemas.microsoft.com/office/drawing/2014/main" id="{EE0AD4C6-F015-D530-8DDC-D48672F46C0B}"/>
               </a:ext>
             </a:extLst>
           </p:cNvPr>
@@ -2661,7 +2661,7 @@
           <a:bodyPr/>
           <a:lstStyle/>
           <a:p>
-            <a:fld id="{B48BD703-0AC9-45EF-BC2F-7857F83A544D}" type="datetimeFigureOut">
+            <a:fld id="{533D3C87-AEB1-4BDA-ABA2-631BEFA799F0}" type="datetimeFigureOut">
               <a:rPr lang="zh-CN" altLang="en-US" smtClean="0"/>
               <a:t>2024/3/10</a:t>
             </a:fld>
@@ -2674,7 +2674,7 @@
           <p:cNvPr id="6" name="页脚占位符 5">
             <a:extLst>
               <a:ext uri="{FF2B5EF4-FFF2-40B4-BE49-F238E27FC236}">
-                <a16:creationId xmlns:a16="http://schemas.microsoft.com/office/drawing/2014/main" id="{FF77A5FF-BC41-8E4D-D154-7ECFEC8FC48F}"/>
+                <a16:creationId xmlns:a16="http://schemas.microsoft.com/office/drawing/2014/main" id="{3FB24CA5-04C6-7D85-3BA4-EEEB548B72FD}"/>
               </a:ext>
             </a:extLst>
           </p:cNvPr>
@@ -2699,7 +2699,7 @@
           <p:cNvPr id="7" name="灯片编号占位符 6">
             <a:extLst>
               <a:ext uri="{FF2B5EF4-FFF2-40B4-BE49-F238E27FC236}">
-                <a16:creationId xmlns:a16="http://schemas.microsoft.com/office/drawing/2014/main" id="{A680241E-666A-18AA-C949-EA5C87C6EE4B}"/>
+                <a16:creationId xmlns:a16="http://schemas.microsoft.com/office/drawing/2014/main" id="{40DAEA42-E3FC-A77B-6421-8DEF96507201}"/>
               </a:ext>
             </a:extLst>
           </p:cNvPr>
@@ -2715,7 +2715,7 @@
           <a:bodyPr/>
           <a:lstStyle/>
           <a:p>
-            <a:fld id="{E77EEFF0-60C2-466F-B2D2-3E6757E9A901}" type="slidenum">
+            <a:fld id="{F2CEF4A1-20AC-4482-BE1D-028570C0278B}" type="slidenum">
               <a:rPr lang="zh-CN" altLang="en-US" smtClean="0"/>
               <a:t>‹#›</a:t>
             </a:fld>
@@ -2726,7 +2726,7 @@
     </p:spTree>
     <p:extLst>
       <p:ext uri="{BB962C8B-B14F-4D97-AF65-F5344CB8AC3E}">
-        <p14:creationId xmlns:p14="http://schemas.microsoft.com/office/powerpoint/2010/main" val="1122865454"/>
+        <p14:creationId xmlns:p14="http://schemas.microsoft.com/office/powerpoint/2010/main" val="3767964101"/>
       </p:ext>
     </p:extLst>
   </p:cSld>
@@ -2763,7 +2763,7 @@
           <p:cNvPr id="2" name="标题占位符 1">
             <a:extLst>
               <a:ext uri="{FF2B5EF4-FFF2-40B4-BE49-F238E27FC236}">
-                <a16:creationId xmlns:a16="http://schemas.microsoft.com/office/drawing/2014/main" id="{B55B1A5A-5B80-819C-4E7C-6991EEF2AEAF}"/>
+                <a16:creationId xmlns:a16="http://schemas.microsoft.com/office/drawing/2014/main" id="{71423129-924A-952C-F067-CF530911ED91}"/>
               </a:ext>
             </a:extLst>
           </p:cNvPr>
@@ -2801,7 +2801,7 @@
           <p:cNvPr id="3" name="文本占位符 2">
             <a:extLst>
               <a:ext uri="{FF2B5EF4-FFF2-40B4-BE49-F238E27FC236}">
-                <a16:creationId xmlns:a16="http://schemas.microsoft.com/office/drawing/2014/main" id="{2B53796E-8ECC-8811-F579-DD77D8E57116}"/>
+                <a16:creationId xmlns:a16="http://schemas.microsoft.com/office/drawing/2014/main" id="{D2483B24-86FE-9620-0A54-77547B6D40E3}"/>
               </a:ext>
             </a:extLst>
           </p:cNvPr>
@@ -2868,7 +2868,7 @@
           <p:cNvPr id="4" name="日期占位符 3">
             <a:extLst>
               <a:ext uri="{FF2B5EF4-FFF2-40B4-BE49-F238E27FC236}">
-                <a16:creationId xmlns:a16="http://schemas.microsoft.com/office/drawing/2014/main" id="{07B870DA-9F61-DFB1-ADEA-169FD49B6280}"/>
+                <a16:creationId xmlns:a16="http://schemas.microsoft.com/office/drawing/2014/main" id="{EFC82A08-E755-B888-9336-F1D04BB739CE}"/>
               </a:ext>
             </a:extLst>
           </p:cNvPr>
@@ -2902,7 +2902,7 @@
             </a:lvl1pPr>
           </a:lstStyle>
           <a:p>
-            <a:fld id="{B48BD703-0AC9-45EF-BC2F-7857F83A544D}" type="datetimeFigureOut">
+            <a:fld id="{533D3C87-AEB1-4BDA-ABA2-631BEFA799F0}" type="datetimeFigureOut">
               <a:rPr lang="zh-CN" altLang="en-US" smtClean="0"/>
               <a:t>2024/3/10</a:t>
             </a:fld>
@@ -2915,7 +2915,7 @@
           <p:cNvPr id="5" name="页脚占位符 4">
             <a:extLst>
               <a:ext uri="{FF2B5EF4-FFF2-40B4-BE49-F238E27FC236}">
-                <a16:creationId xmlns:a16="http://schemas.microsoft.com/office/drawing/2014/main" id="{B707F720-BC72-9FB0-2F4F-8DE196DE9A0A}"/>
+                <a16:creationId xmlns:a16="http://schemas.microsoft.com/office/drawing/2014/main" id="{7503C928-5A66-773B-DA83-A41DE98364DF}"/>
               </a:ext>
             </a:extLst>
           </p:cNvPr>
@@ -2958,7 +2958,7 @@
           <p:cNvPr id="6" name="灯片编号占位符 5">
             <a:extLst>
               <a:ext uri="{FF2B5EF4-FFF2-40B4-BE49-F238E27FC236}">
-                <a16:creationId xmlns:a16="http://schemas.microsoft.com/office/drawing/2014/main" id="{74107A0F-0516-605C-E42B-6B21E37893D5}"/>
+                <a16:creationId xmlns:a16="http://schemas.microsoft.com/office/drawing/2014/main" id="{534FEF1E-A469-B601-8FA8-75C9CA5B8CE8}"/>
               </a:ext>
             </a:extLst>
           </p:cNvPr>
@@ -2992,7 +2992,7 @@
             </a:lvl1pPr>
           </a:lstStyle>
           <a:p>
-            <a:fld id="{E77EEFF0-60C2-466F-B2D2-3E6757E9A901}" type="slidenum">
+            <a:fld id="{F2CEF4A1-20AC-4482-BE1D-028570C0278B}" type="slidenum">
               <a:rPr lang="zh-CN" altLang="en-US" smtClean="0"/>
               <a:t>‹#›</a:t>
             </a:fld>
@@ -3003,7 +3003,7 @@
     </p:spTree>
     <p:extLst>
       <p:ext uri="{BB962C8B-B14F-4D97-AF65-F5344CB8AC3E}">
-        <p14:creationId xmlns:p14="http://schemas.microsoft.com/office/powerpoint/2010/main" val="3780254037"/>
+        <p14:creationId xmlns:p14="http://schemas.microsoft.com/office/powerpoint/2010/main" val="2447613394"/>
       </p:ext>
     </p:extLst>
   </p:cSld>
@@ -3323,7 +3323,7 @@
       </p:grpSpPr>
       <p:pic>
         <p:nvPicPr>
-          <p:cNvPr id="337922" name="Picture 2" descr="329"/>
+          <p:cNvPr id="338946" name="Picture 2" descr="330"/>
           <p:cNvPicPr>
             <a:picLocks noChangeAspect="1" noChangeArrowheads="1"/>
           </p:cNvPicPr>
